--- a/Лекции/ПиАСИ лек 7.pptx
+++ b/Лекции/ПиАСИ лек 7.pptx
@@ -6178,7 +6178,7 @@
           <p:cNvPr id="9" name="Номер слайда 3">
             <a:extLst>
               <a:ext uri="{FF2B5EF4-FFF2-40B4-BE49-F238E27FC236}">
-                <a16:creationId xmlns:a16="http://schemas.microsoft.com/office/drawing/2014/main" id="{3DF48714-7FE4-4364-BF9D-28B9C9E2979D}"/>
+                <a16:creationId xmlns:a16="http://schemas.microsoft.com/office/drawing/2014/main" xmlns="" id="{3DF48714-7FE4-4364-BF9D-28B9C9E2979D}"/>
               </a:ext>
             </a:extLst>
           </p:cNvPr>
@@ -6317,7 +6317,7 @@
           <p:cNvPr id="7" name="Номер слайда 3">
             <a:extLst>
               <a:ext uri="{FF2B5EF4-FFF2-40B4-BE49-F238E27FC236}">
-                <a16:creationId xmlns:a16="http://schemas.microsoft.com/office/drawing/2014/main" id="{3DF48714-7FE4-4364-BF9D-28B9C9E2979D}"/>
+                <a16:creationId xmlns:a16="http://schemas.microsoft.com/office/drawing/2014/main" xmlns="" id="{3DF48714-7FE4-4364-BF9D-28B9C9E2979D}"/>
               </a:ext>
             </a:extLst>
           </p:cNvPr>
@@ -6599,7 +6599,7 @@
           <p:cNvPr id="9" name="Номер слайда 3">
             <a:extLst>
               <a:ext uri="{FF2B5EF4-FFF2-40B4-BE49-F238E27FC236}">
-                <a16:creationId xmlns:a16="http://schemas.microsoft.com/office/drawing/2014/main" id="{3DF48714-7FE4-4364-BF9D-28B9C9E2979D}"/>
+                <a16:creationId xmlns:a16="http://schemas.microsoft.com/office/drawing/2014/main" xmlns="" id="{3DF48714-7FE4-4364-BF9D-28B9C9E2979D}"/>
               </a:ext>
             </a:extLst>
           </p:cNvPr>
@@ -7036,7 +7036,7 @@
           <p:cNvPr id="17" name="Заголовок 16">
             <a:extLst>
               <a:ext uri="{FF2B5EF4-FFF2-40B4-BE49-F238E27FC236}">
-                <a16:creationId xmlns:a16="http://schemas.microsoft.com/office/drawing/2014/main" id="{D630362D-1F09-46B4-9DE4-AEA483AC82FD}"/>
+                <a16:creationId xmlns:a16="http://schemas.microsoft.com/office/drawing/2014/main" xmlns="" id="{D630362D-1F09-46B4-9DE4-AEA483AC82FD}"/>
               </a:ext>
             </a:extLst>
           </p:cNvPr>
@@ -7223,7 +7223,7 @@
           <p:cNvPr id="12" name="TextBox 11">
             <a:extLst>
               <a:ext uri="{FF2B5EF4-FFF2-40B4-BE49-F238E27FC236}">
-                <a16:creationId xmlns:a16="http://schemas.microsoft.com/office/drawing/2014/main" id="{F7B00361-5492-4290-B470-295172C16526}"/>
+                <a16:creationId xmlns:a16="http://schemas.microsoft.com/office/drawing/2014/main" xmlns="" id="{F7B00361-5492-4290-B470-295172C16526}"/>
               </a:ext>
             </a:extLst>
           </p:cNvPr>
@@ -7360,7 +7360,7 @@
           <p:cNvPr id="6" name="TextBox 5">
             <a:extLst>
               <a:ext uri="{FF2B5EF4-FFF2-40B4-BE49-F238E27FC236}">
-                <a16:creationId xmlns:a16="http://schemas.microsoft.com/office/drawing/2014/main" id="{F7B00361-5492-4290-B470-295172C16526}"/>
+                <a16:creationId xmlns:a16="http://schemas.microsoft.com/office/drawing/2014/main" xmlns="" id="{F7B00361-5492-4290-B470-295172C16526}"/>
               </a:ext>
             </a:extLst>
           </p:cNvPr>
@@ -14141,42 +14141,42 @@
                 <a:gridCol w="567267">
                   <a:extLst>
                     <a:ext uri="{9D8B030D-6E8A-4147-A177-3AD203B41FA5}">
-                      <a16:colId xmlns:a16="http://schemas.microsoft.com/office/drawing/2014/main" val="4206263819"/>
+                      <a16:colId xmlns:a16="http://schemas.microsoft.com/office/drawing/2014/main" xmlns="" val="4206263819"/>
                     </a:ext>
                   </a:extLst>
                 </a:gridCol>
                 <a:gridCol w="567267">
                   <a:extLst>
                     <a:ext uri="{9D8B030D-6E8A-4147-A177-3AD203B41FA5}">
-                      <a16:colId xmlns:a16="http://schemas.microsoft.com/office/drawing/2014/main" val="1591613659"/>
+                      <a16:colId xmlns:a16="http://schemas.microsoft.com/office/drawing/2014/main" xmlns="" val="1591613659"/>
                     </a:ext>
                   </a:extLst>
                 </a:gridCol>
                 <a:gridCol w="567267">
                   <a:extLst>
                     <a:ext uri="{9D8B030D-6E8A-4147-A177-3AD203B41FA5}">
-                      <a16:colId xmlns:a16="http://schemas.microsoft.com/office/drawing/2014/main" val="2398131837"/>
+                      <a16:colId xmlns:a16="http://schemas.microsoft.com/office/drawing/2014/main" xmlns="" val="2398131837"/>
                     </a:ext>
                   </a:extLst>
                 </a:gridCol>
                 <a:gridCol w="567267">
                   <a:extLst>
                     <a:ext uri="{9D8B030D-6E8A-4147-A177-3AD203B41FA5}">
-                      <a16:colId xmlns:a16="http://schemas.microsoft.com/office/drawing/2014/main" val="2458807656"/>
+                      <a16:colId xmlns:a16="http://schemas.microsoft.com/office/drawing/2014/main" xmlns="" val="2458807656"/>
                     </a:ext>
                   </a:extLst>
                 </a:gridCol>
                 <a:gridCol w="567267">
                   <a:extLst>
                     <a:ext uri="{9D8B030D-6E8A-4147-A177-3AD203B41FA5}">
-                      <a16:colId xmlns:a16="http://schemas.microsoft.com/office/drawing/2014/main" val="1449879788"/>
+                      <a16:colId xmlns:a16="http://schemas.microsoft.com/office/drawing/2014/main" xmlns="" val="1449879788"/>
                     </a:ext>
                   </a:extLst>
                 </a:gridCol>
                 <a:gridCol w="567267">
                   <a:extLst>
                     <a:ext uri="{9D8B030D-6E8A-4147-A177-3AD203B41FA5}">
-                      <a16:colId xmlns:a16="http://schemas.microsoft.com/office/drawing/2014/main" val="2686485116"/>
+                      <a16:colId xmlns:a16="http://schemas.microsoft.com/office/drawing/2014/main" xmlns="" val="2686485116"/>
                     </a:ext>
                   </a:extLst>
                 </a:gridCol>
@@ -14526,7 +14526,7 @@
                 </a:tc>
                 <a:extLst>
                   <a:ext uri="{0D108BD9-81ED-4DB2-BD59-A6C34878D82A}">
-                    <a16:rowId xmlns:a16="http://schemas.microsoft.com/office/drawing/2014/main" val="2507534760"/>
+                    <a16:rowId xmlns:a16="http://schemas.microsoft.com/office/drawing/2014/main" xmlns="" val="2507534760"/>
                   </a:ext>
                 </a:extLst>
               </a:tr>
@@ -14821,7 +14821,7 @@
           <p:cNvPr id="21" name="Рисунок 20">
             <a:extLst>
               <a:ext uri="{FF2B5EF4-FFF2-40B4-BE49-F238E27FC236}">
-                <a16:creationId xmlns:a16="http://schemas.microsoft.com/office/drawing/2014/main" id="{9599A06E-78B4-4F36-A9B1-2F8FC9FC1C29}"/>
+                <a16:creationId xmlns:a16="http://schemas.microsoft.com/office/drawing/2014/main" xmlns="" id="{9599A06E-78B4-4F36-A9B1-2F8FC9FC1C29}"/>
               </a:ext>
             </a:extLst>
           </p:cNvPr>
@@ -14857,7 +14857,7 @@
           <p:cNvPr id="23" name="TextBox 22">
             <a:extLst>
               <a:ext uri="{FF2B5EF4-FFF2-40B4-BE49-F238E27FC236}">
-                <a16:creationId xmlns:a16="http://schemas.microsoft.com/office/drawing/2014/main" id="{ADFDB2B9-53A5-400D-9BFD-77ABF1976DD0}"/>
+                <a16:creationId xmlns:a16="http://schemas.microsoft.com/office/drawing/2014/main" xmlns="" id="{ADFDB2B9-53A5-400D-9BFD-77ABF1976DD0}"/>
               </a:ext>
             </a:extLst>
           </p:cNvPr>
@@ -41107,19 +41107,7 @@
                 </a:highlight>
                 <a:latin typeface="Bookman Old Style" panose="02050604050505020204" pitchFamily="18" charset="0"/>
               </a:rPr>
-              <a:t> для работы с потоками. Способы её установки можно найти в интернете</a:t>
-            </a:r>
-            <a:r>
-              <a:rPr lang="ru-RU" sz="2400" dirty="0" smtClean="0">
-                <a:solidFill>
-                  <a:srgbClr val="000000"/>
-                </a:solidFill>
-                <a:highlight>
-                  <a:srgbClr val="FFFFFF"/>
-                </a:highlight>
-                <a:latin typeface="Bookman Old Style" panose="02050604050505020204" pitchFamily="18" charset="0"/>
-              </a:rPr>
-              <a:t>.</a:t>
+              <a:t> для работы с потоками. Способы её установки можно найти в интернете.</a:t>
             </a:r>
             <a:r>
               <a:rPr lang="en-US" sz="2400" dirty="0" smtClean="0">
@@ -41929,9 +41917,9 @@
               <a:t>    </a:t>
             </a:r>
             <a:r>
-              <a:rPr lang="en-US" sz="2400" dirty="0" err="1" smtClean="0">
-                <a:solidFill>
-                  <a:srgbClr val="000000"/>
+              <a:rPr lang="en-US" sz="2400" dirty="0" err="1">
+                <a:solidFill>
+                  <a:srgbClr val="2B91AF"/>
                 </a:solidFill>
                 <a:highlight>
                   <a:srgbClr val="FFFFFF"/>
